--- a/2025254004_이한울_신용카드이상결제탐지_완료발표.pptx
+++ b/2025254004_이한울_신용카드이상결제탐지_완료발표.pptx
@@ -139,14 +139,344 @@
 <file path=ppt/revisionInfo.xml><?xml version="1.0" encoding="utf-8"?>
 <p1510:revInfo xmlns:a="http://schemas.openxmlformats.org/drawingml/2006/main" xmlns:r="http://schemas.openxmlformats.org/officeDocument/2006/relationships" xmlns:p1510="http://schemas.microsoft.com/office/powerpoint/2015/10/main">
   <p1510:revLst>
-    <p1510:client id="{1EAA38B8-0A8F-4C8B-881E-4ADC5F205FA8}" v="42" dt="2025-12-02T07:54:19.636"/>
-    <p1510:client id="{977F6610-D12D-4ECE-8BD9-4082C89A0A13}" v="2" dt="2025-12-02T09:47:00.774"/>
+    <p1510:client id="{FC2355C0-8045-4B5D-B3CC-F21FBC400FA6}" v="7" dt="2025-12-09T10:34:34.916"/>
   </p1510:revLst>
 </p1510:revInfo>
 </file>
 
 <file path=ppt/changesInfos/changesInfo1.xml><?xml version="1.0" encoding="utf-8"?>
 <pc:chgInfo xmlns:a="http://schemas.openxmlformats.org/drawingml/2006/main" xmlns:r="http://schemas.openxmlformats.org/officeDocument/2006/relationships" xmlns:ac="http://schemas.microsoft.com/office/drawing/2013/main/command" xmlns:pc="http://schemas.microsoft.com/office/powerpoint/2013/main/command">
+  <pc:docChgLst>
+    <pc:chgData name="이한울" userId="6b68113f-130c-4b5b-be79-d122776f77ec" providerId="ADAL" clId="{50F36C8F-82A7-4DEA-9B9A-6AD1C64B5DF1}"/>
+    <pc:docChg chg="undo custSel addSld delSld modSld sldOrd">
+      <pc:chgData name="이한울" userId="6b68113f-130c-4b5b-be79-d122776f77ec" providerId="ADAL" clId="{50F36C8F-82A7-4DEA-9B9A-6AD1C64B5DF1}" dt="2025-12-02T07:56:23.961" v="850" actId="47"/>
+      <pc:docMkLst>
+        <pc:docMk/>
+      </pc:docMkLst>
+      <pc:sldChg chg="modSp mod setBg">
+        <pc:chgData name="이한울" userId="6b68113f-130c-4b5b-be79-d122776f77ec" providerId="ADAL" clId="{50F36C8F-82A7-4DEA-9B9A-6AD1C64B5DF1}" dt="2025-12-02T04:44:35.038" v="539" actId="113"/>
+        <pc:sldMkLst>
+          <pc:docMk/>
+          <pc:sldMk cId="2862656377" sldId="261"/>
+        </pc:sldMkLst>
+        <pc:spChg chg="mod">
+          <ac:chgData name="이한울" userId="6b68113f-130c-4b5b-be79-d122776f77ec" providerId="ADAL" clId="{50F36C8F-82A7-4DEA-9B9A-6AD1C64B5DF1}" dt="2025-12-02T04:44:35.038" v="539" actId="113"/>
+          <ac:spMkLst>
+            <pc:docMk/>
+            <pc:sldMk cId="2862656377" sldId="261"/>
+            <ac:spMk id="6" creationId="{1083FDCF-80DC-3B65-6600-0138E555127C}"/>
+          </ac:spMkLst>
+        </pc:spChg>
+      </pc:sldChg>
+      <pc:sldChg chg="addSp delSp modSp new mod ord setBg">
+        <pc:chgData name="이한울" userId="6b68113f-130c-4b5b-be79-d122776f77ec" providerId="ADAL" clId="{50F36C8F-82A7-4DEA-9B9A-6AD1C64B5DF1}" dt="2025-12-02T04:44:33.312" v="538" actId="113"/>
+        <pc:sldMkLst>
+          <pc:docMk/>
+          <pc:sldMk cId="3830960303" sldId="262"/>
+        </pc:sldMkLst>
+        <pc:spChg chg="add mod">
+          <ac:chgData name="이한울" userId="6b68113f-130c-4b5b-be79-d122776f77ec" providerId="ADAL" clId="{50F36C8F-82A7-4DEA-9B9A-6AD1C64B5DF1}" dt="2025-12-02T04:34:48.848" v="8"/>
+          <ac:spMkLst>
+            <pc:docMk/>
+            <pc:sldMk cId="3830960303" sldId="262"/>
+            <ac:spMk id="4" creationId="{806778E5-8FD2-0AD1-CD49-77949CC3906A}"/>
+          </ac:spMkLst>
+        </pc:spChg>
+        <pc:spChg chg="add mod">
+          <ac:chgData name="이한울" userId="6b68113f-130c-4b5b-be79-d122776f77ec" providerId="ADAL" clId="{50F36C8F-82A7-4DEA-9B9A-6AD1C64B5DF1}" dt="2025-12-02T04:44:33.312" v="538" actId="113"/>
+          <ac:spMkLst>
+            <pc:docMk/>
+            <pc:sldMk cId="3830960303" sldId="262"/>
+            <ac:spMk id="5" creationId="{6B19CB4C-1CE9-5590-DC95-4E954B66555B}"/>
+          </ac:spMkLst>
+        </pc:spChg>
+        <pc:spChg chg="add mod">
+          <ac:chgData name="이한울" userId="6b68113f-130c-4b5b-be79-d122776f77ec" providerId="ADAL" clId="{50F36C8F-82A7-4DEA-9B9A-6AD1C64B5DF1}" dt="2025-12-02T04:37:04.436" v="137" actId="20577"/>
+          <ac:spMkLst>
+            <pc:docMk/>
+            <pc:sldMk cId="3830960303" sldId="262"/>
+            <ac:spMk id="7" creationId="{5DB079A8-7328-E257-5839-40CD435D35D4}"/>
+          </ac:spMkLst>
+        </pc:spChg>
+        <pc:spChg chg="add mod">
+          <ac:chgData name="이한울" userId="6b68113f-130c-4b5b-be79-d122776f77ec" providerId="ADAL" clId="{50F36C8F-82A7-4DEA-9B9A-6AD1C64B5DF1}" dt="2025-12-02T04:41:46.222" v="438" actId="1076"/>
+          <ac:spMkLst>
+            <pc:docMk/>
+            <pc:sldMk cId="3830960303" sldId="262"/>
+            <ac:spMk id="9" creationId="{02A255CE-0AA6-DFFE-528C-FE3A0EA1592C}"/>
+          </ac:spMkLst>
+        </pc:spChg>
+        <pc:spChg chg="add mod">
+          <ac:chgData name="이한울" userId="6b68113f-130c-4b5b-be79-d122776f77ec" providerId="ADAL" clId="{50F36C8F-82A7-4DEA-9B9A-6AD1C64B5DF1}" dt="2025-12-02T04:41:46.222" v="438" actId="1076"/>
+          <ac:spMkLst>
+            <pc:docMk/>
+            <pc:sldMk cId="3830960303" sldId="262"/>
+            <ac:spMk id="10" creationId="{D86C8A39-2FE3-30B7-2F07-594FC89D8E26}"/>
+          </ac:spMkLst>
+        </pc:spChg>
+        <pc:spChg chg="add mod">
+          <ac:chgData name="이한울" userId="6b68113f-130c-4b5b-be79-d122776f77ec" providerId="ADAL" clId="{50F36C8F-82A7-4DEA-9B9A-6AD1C64B5DF1}" dt="2025-12-02T04:41:46.222" v="438" actId="1076"/>
+          <ac:spMkLst>
+            <pc:docMk/>
+            <pc:sldMk cId="3830960303" sldId="262"/>
+            <ac:spMk id="11" creationId="{FA16E20F-5126-3B85-B21D-AF1DA7E72FCC}"/>
+          </ac:spMkLst>
+        </pc:spChg>
+        <pc:spChg chg="add mod">
+          <ac:chgData name="이한울" userId="6b68113f-130c-4b5b-be79-d122776f77ec" providerId="ADAL" clId="{50F36C8F-82A7-4DEA-9B9A-6AD1C64B5DF1}" dt="2025-12-02T04:41:46.222" v="438" actId="1076"/>
+          <ac:spMkLst>
+            <pc:docMk/>
+            <pc:sldMk cId="3830960303" sldId="262"/>
+            <ac:spMk id="12" creationId="{03F3F774-E35D-03CB-3E68-EBA72BCDB77E}"/>
+          </ac:spMkLst>
+        </pc:spChg>
+        <pc:cxnChg chg="add mod">
+          <ac:chgData name="이한울" userId="6b68113f-130c-4b5b-be79-d122776f77ec" providerId="ADAL" clId="{50F36C8F-82A7-4DEA-9B9A-6AD1C64B5DF1}" dt="2025-12-02T04:34:48.848" v="8"/>
+          <ac:cxnSpMkLst>
+            <pc:docMk/>
+            <pc:sldMk cId="3830960303" sldId="262"/>
+            <ac:cxnSpMk id="6" creationId="{D0D54C99-4452-CBC2-021F-707851F5C666}"/>
+          </ac:cxnSpMkLst>
+        </pc:cxnChg>
+        <pc:cxnChg chg="add mod">
+          <ac:chgData name="이한울" userId="6b68113f-130c-4b5b-be79-d122776f77ec" providerId="ADAL" clId="{50F36C8F-82A7-4DEA-9B9A-6AD1C64B5DF1}" dt="2025-12-02T04:43:18.449" v="451" actId="1076"/>
+          <ac:cxnSpMkLst>
+            <pc:docMk/>
+            <pc:sldMk cId="3830960303" sldId="262"/>
+            <ac:cxnSpMk id="13" creationId="{92FF6637-07CA-D711-BF58-BA72D29B7ECA}"/>
+          </ac:cxnSpMkLst>
+        </pc:cxnChg>
+        <pc:cxnChg chg="add mod">
+          <ac:chgData name="이한울" userId="6b68113f-130c-4b5b-be79-d122776f77ec" providerId="ADAL" clId="{50F36C8F-82A7-4DEA-9B9A-6AD1C64B5DF1}" dt="2025-12-02T04:43:21.517" v="452" actId="571"/>
+          <ac:cxnSpMkLst>
+            <pc:docMk/>
+            <pc:sldMk cId="3830960303" sldId="262"/>
+            <ac:cxnSpMk id="15" creationId="{4EE022C5-037F-10BE-4233-0A86696A6582}"/>
+          </ac:cxnSpMkLst>
+        </pc:cxnChg>
+        <pc:cxnChg chg="add mod">
+          <ac:chgData name="이한울" userId="6b68113f-130c-4b5b-be79-d122776f77ec" providerId="ADAL" clId="{50F36C8F-82A7-4DEA-9B9A-6AD1C64B5DF1}" dt="2025-12-02T04:43:24.050" v="453" actId="571"/>
+          <ac:cxnSpMkLst>
+            <pc:docMk/>
+            <pc:sldMk cId="3830960303" sldId="262"/>
+            <ac:cxnSpMk id="16" creationId="{CFE6DC63-461A-F959-93C6-1DD273E0D8DA}"/>
+          </ac:cxnSpMkLst>
+        </pc:cxnChg>
+      </pc:sldChg>
+      <pc:sldChg chg="addSp delSp modSp new mod ord setBg">
+        <pc:chgData name="이한울" userId="6b68113f-130c-4b5b-be79-d122776f77ec" providerId="ADAL" clId="{50F36C8F-82A7-4DEA-9B9A-6AD1C64B5DF1}" dt="2025-12-02T07:56:18.175" v="849" actId="1076"/>
+        <pc:sldMkLst>
+          <pc:docMk/>
+          <pc:sldMk cId="2667498715" sldId="263"/>
+        </pc:sldMkLst>
+        <pc:spChg chg="add mod">
+          <ac:chgData name="이한울" userId="6b68113f-130c-4b5b-be79-d122776f77ec" providerId="ADAL" clId="{50F36C8F-82A7-4DEA-9B9A-6AD1C64B5DF1}" dt="2025-12-02T04:43:50.254" v="460"/>
+          <ac:spMkLst>
+            <pc:docMk/>
+            <pc:sldMk cId="2667498715" sldId="263"/>
+            <ac:spMk id="4" creationId="{67524A5D-7ED1-C6E0-7B13-7554A876F153}"/>
+          </ac:spMkLst>
+        </pc:spChg>
+        <pc:spChg chg="add mod">
+          <ac:chgData name="이한울" userId="6b68113f-130c-4b5b-be79-d122776f77ec" providerId="ADAL" clId="{50F36C8F-82A7-4DEA-9B9A-6AD1C64B5DF1}" dt="2025-12-02T04:44:31.151" v="537" actId="113"/>
+          <ac:spMkLst>
+            <pc:docMk/>
+            <pc:sldMk cId="2667498715" sldId="263"/>
+            <ac:spMk id="5" creationId="{3CB57F96-DDED-1273-6D7F-0438D3370EF9}"/>
+          </ac:spMkLst>
+        </pc:spChg>
+        <pc:spChg chg="add mod">
+          <ac:chgData name="이한울" userId="6b68113f-130c-4b5b-be79-d122776f77ec" providerId="ADAL" clId="{50F36C8F-82A7-4DEA-9B9A-6AD1C64B5DF1}" dt="2025-12-02T04:45:15.152" v="562" actId="20577"/>
+          <ac:spMkLst>
+            <pc:docMk/>
+            <pc:sldMk cId="2667498715" sldId="263"/>
+            <ac:spMk id="7" creationId="{823B0A7D-9398-56C4-BE8C-14DD5C3E6EBF}"/>
+          </ac:spMkLst>
+        </pc:spChg>
+        <pc:spChg chg="add mod">
+          <ac:chgData name="이한울" userId="6b68113f-130c-4b5b-be79-d122776f77ec" providerId="ADAL" clId="{50F36C8F-82A7-4DEA-9B9A-6AD1C64B5DF1}" dt="2025-12-02T07:54:19.635" v="804" actId="164"/>
+          <ac:spMkLst>
+            <pc:docMk/>
+            <pc:sldMk cId="2667498715" sldId="263"/>
+            <ac:spMk id="9" creationId="{ADA65095-BCEC-2CB2-4CF9-A80AF7538942}"/>
+          </ac:spMkLst>
+        </pc:spChg>
+        <pc:spChg chg="add mod ord">
+          <ac:chgData name="이한울" userId="6b68113f-130c-4b5b-be79-d122776f77ec" providerId="ADAL" clId="{50F36C8F-82A7-4DEA-9B9A-6AD1C64B5DF1}" dt="2025-12-02T07:54:19.635" v="804" actId="164"/>
+          <ac:spMkLst>
+            <pc:docMk/>
+            <pc:sldMk cId="2667498715" sldId="263"/>
+            <ac:spMk id="12" creationId="{75DA3277-C6D3-0823-0634-2C078979D0FA}"/>
+          </ac:spMkLst>
+        </pc:spChg>
+        <pc:spChg chg="add mod ord">
+          <ac:chgData name="이한울" userId="6b68113f-130c-4b5b-be79-d122776f77ec" providerId="ADAL" clId="{50F36C8F-82A7-4DEA-9B9A-6AD1C64B5DF1}" dt="2025-12-02T07:54:19.635" v="804" actId="164"/>
+          <ac:spMkLst>
+            <pc:docMk/>
+            <pc:sldMk cId="2667498715" sldId="263"/>
+            <ac:spMk id="15" creationId="{67AC80CC-34DF-64DF-197D-E45D616458B1}"/>
+          </ac:spMkLst>
+        </pc:spChg>
+        <pc:spChg chg="add mod ord">
+          <ac:chgData name="이한울" userId="6b68113f-130c-4b5b-be79-d122776f77ec" providerId="ADAL" clId="{50F36C8F-82A7-4DEA-9B9A-6AD1C64B5DF1}" dt="2025-12-02T07:54:19.635" v="804" actId="164"/>
+          <ac:spMkLst>
+            <pc:docMk/>
+            <pc:sldMk cId="2667498715" sldId="263"/>
+            <ac:spMk id="16" creationId="{F596DAA6-D7E6-0A85-BA3B-13B8F1524183}"/>
+          </ac:spMkLst>
+        </pc:spChg>
+        <pc:spChg chg="add mod ord">
+          <ac:chgData name="이한울" userId="6b68113f-130c-4b5b-be79-d122776f77ec" providerId="ADAL" clId="{50F36C8F-82A7-4DEA-9B9A-6AD1C64B5DF1}" dt="2025-12-02T07:54:19.635" v="804" actId="164"/>
+          <ac:spMkLst>
+            <pc:docMk/>
+            <pc:sldMk cId="2667498715" sldId="263"/>
+            <ac:spMk id="17" creationId="{797D4C91-A662-AEF3-08E8-4380FA9606C2}"/>
+          </ac:spMkLst>
+        </pc:spChg>
+        <pc:spChg chg="add mod ord">
+          <ac:chgData name="이한울" userId="6b68113f-130c-4b5b-be79-d122776f77ec" providerId="ADAL" clId="{50F36C8F-82A7-4DEA-9B9A-6AD1C64B5DF1}" dt="2025-12-02T07:54:19.635" v="804" actId="164"/>
+          <ac:spMkLst>
+            <pc:docMk/>
+            <pc:sldMk cId="2667498715" sldId="263"/>
+            <ac:spMk id="18" creationId="{F1D422AE-584B-485B-8647-F7D5A4E640EA}"/>
+          </ac:spMkLst>
+        </pc:spChg>
+        <pc:spChg chg="add mod ord">
+          <ac:chgData name="이한울" userId="6b68113f-130c-4b5b-be79-d122776f77ec" providerId="ADAL" clId="{50F36C8F-82A7-4DEA-9B9A-6AD1C64B5DF1}" dt="2025-12-02T07:54:19.635" v="804" actId="164"/>
+          <ac:spMkLst>
+            <pc:docMk/>
+            <pc:sldMk cId="2667498715" sldId="263"/>
+            <ac:spMk id="19" creationId="{2E862ED9-A5CD-6A4E-D1D3-2BA346E8BA78}"/>
+          </ac:spMkLst>
+        </pc:spChg>
+        <pc:spChg chg="add mod ord">
+          <ac:chgData name="이한울" userId="6b68113f-130c-4b5b-be79-d122776f77ec" providerId="ADAL" clId="{50F36C8F-82A7-4DEA-9B9A-6AD1C64B5DF1}" dt="2025-12-02T07:54:19.635" v="804" actId="164"/>
+          <ac:spMkLst>
+            <pc:docMk/>
+            <pc:sldMk cId="2667498715" sldId="263"/>
+            <ac:spMk id="20" creationId="{E37AAE45-50C5-5A70-8B50-EC07C7D55BB0}"/>
+          </ac:spMkLst>
+        </pc:spChg>
+        <pc:spChg chg="add mod ord">
+          <ac:chgData name="이한울" userId="6b68113f-130c-4b5b-be79-d122776f77ec" providerId="ADAL" clId="{50F36C8F-82A7-4DEA-9B9A-6AD1C64B5DF1}" dt="2025-12-02T07:54:19.635" v="804" actId="164"/>
+          <ac:spMkLst>
+            <pc:docMk/>
+            <pc:sldMk cId="2667498715" sldId="263"/>
+            <ac:spMk id="21" creationId="{428FD223-A7B0-8F55-D11D-3F7DD23291EB}"/>
+          </ac:spMkLst>
+        </pc:spChg>
+        <pc:spChg chg="add mod">
+          <ac:chgData name="이한울" userId="6b68113f-130c-4b5b-be79-d122776f77ec" providerId="ADAL" clId="{50F36C8F-82A7-4DEA-9B9A-6AD1C64B5DF1}" dt="2025-12-02T07:56:15.272" v="848" actId="1076"/>
+          <ac:spMkLst>
+            <pc:docMk/>
+            <pc:sldMk cId="2667498715" sldId="263"/>
+            <ac:spMk id="22" creationId="{2EA9C152-A687-320D-11A8-F1D7709C688A}"/>
+          </ac:spMkLst>
+        </pc:spChg>
+        <pc:grpChg chg="add mod">
+          <ac:chgData name="이한울" userId="6b68113f-130c-4b5b-be79-d122776f77ec" providerId="ADAL" clId="{50F36C8F-82A7-4DEA-9B9A-6AD1C64B5DF1}" dt="2025-12-02T07:56:18.175" v="849" actId="1076"/>
+          <ac:grpSpMkLst>
+            <pc:docMk/>
+            <pc:sldMk cId="2667498715" sldId="263"/>
+            <ac:grpSpMk id="23" creationId="{2EF0221C-03D0-E9B5-1CCD-9BC02DCC715A}"/>
+          </ac:grpSpMkLst>
+        </pc:grpChg>
+        <pc:cxnChg chg="add mod">
+          <ac:chgData name="이한울" userId="6b68113f-130c-4b5b-be79-d122776f77ec" providerId="ADAL" clId="{50F36C8F-82A7-4DEA-9B9A-6AD1C64B5DF1}" dt="2025-12-02T04:43:50.254" v="460"/>
+          <ac:cxnSpMkLst>
+            <pc:docMk/>
+            <pc:sldMk cId="2667498715" sldId="263"/>
+            <ac:cxnSpMk id="6" creationId="{9A21BE1E-A7FA-7B7A-913F-9816C5FCF9A0}"/>
+          </ac:cxnSpMkLst>
+        </pc:cxnChg>
+      </pc:sldChg>
+    </pc:docChg>
+  </pc:docChgLst>
+  <pc:docChgLst>
+    <pc:chgData name="이한울" userId="6b68113f-130c-4b5b-be79-d122776f77ec" providerId="ADAL" clId="{41991518-3E8B-4DB2-898B-9CC25729673A}"/>
+    <pc:docChg chg="custSel addSld delSld modSld">
+      <pc:chgData name="이한울" userId="6b68113f-130c-4b5b-be79-d122776f77ec" providerId="ADAL" clId="{41991518-3E8B-4DB2-898B-9CC25729673A}" dt="2025-12-09T10:40:58.384" v="292" actId="14100"/>
+      <pc:docMkLst>
+        <pc:docMk/>
+      </pc:docMkLst>
+      <pc:sldChg chg="modSp mod">
+        <pc:chgData name="이한울" userId="6b68113f-130c-4b5b-be79-d122776f77ec" providerId="ADAL" clId="{41991518-3E8B-4DB2-898B-9CC25729673A}" dt="2025-12-09T10:34:50.111" v="290" actId="20577"/>
+        <pc:sldMkLst>
+          <pc:docMk/>
+          <pc:sldMk cId="1539411246" sldId="265"/>
+        </pc:sldMkLst>
+        <pc:spChg chg="mod">
+          <ac:chgData name="이한울" userId="6b68113f-130c-4b5b-be79-d122776f77ec" providerId="ADAL" clId="{41991518-3E8B-4DB2-898B-9CC25729673A}" dt="2025-12-09T10:34:50.111" v="290" actId="20577"/>
+          <ac:spMkLst>
+            <pc:docMk/>
+            <pc:sldMk cId="1539411246" sldId="265"/>
+            <ac:spMk id="19" creationId="{5C813011-332D-A8AF-2B31-F46220BC8E8C}"/>
+          </ac:spMkLst>
+        </pc:spChg>
+      </pc:sldChg>
+      <pc:sldChg chg="modSp mod">
+        <pc:chgData name="이한울" userId="6b68113f-130c-4b5b-be79-d122776f77ec" providerId="ADAL" clId="{41991518-3E8B-4DB2-898B-9CC25729673A}" dt="2025-12-09T10:40:58.384" v="292" actId="14100"/>
+        <pc:sldMkLst>
+          <pc:docMk/>
+          <pc:sldMk cId="1093833734" sldId="271"/>
+        </pc:sldMkLst>
+        <pc:spChg chg="mod">
+          <ac:chgData name="이한울" userId="6b68113f-130c-4b5b-be79-d122776f77ec" providerId="ADAL" clId="{41991518-3E8B-4DB2-898B-9CC25729673A}" dt="2025-12-09T10:09:39.468" v="146" actId="20577"/>
+          <ac:spMkLst>
+            <pc:docMk/>
+            <pc:sldMk cId="1093833734" sldId="271"/>
+            <ac:spMk id="27" creationId="{9D2A67BA-B280-6412-D3CD-773CE2DD281D}"/>
+          </ac:spMkLst>
+        </pc:spChg>
+        <pc:picChg chg="mod">
+          <ac:chgData name="이한울" userId="6b68113f-130c-4b5b-be79-d122776f77ec" providerId="ADAL" clId="{41991518-3E8B-4DB2-898B-9CC25729673A}" dt="2025-12-09T10:40:53.986" v="291" actId="14100"/>
+          <ac:picMkLst>
+            <pc:docMk/>
+            <pc:sldMk cId="1093833734" sldId="271"/>
+            <ac:picMk id="18" creationId="{260896BE-6BC7-A2AE-A62D-DED72FE2C26A}"/>
+          </ac:picMkLst>
+        </pc:picChg>
+        <pc:picChg chg="mod">
+          <ac:chgData name="이한울" userId="6b68113f-130c-4b5b-be79-d122776f77ec" providerId="ADAL" clId="{41991518-3E8B-4DB2-898B-9CC25729673A}" dt="2025-12-09T10:40:58.384" v="292" actId="14100"/>
+          <ac:picMkLst>
+            <pc:docMk/>
+            <pc:sldMk cId="1093833734" sldId="271"/>
+            <ac:picMk id="20" creationId="{3E189B28-0D61-C3A1-4931-A85B1164FAF1}"/>
+          </ac:picMkLst>
+        </pc:picChg>
+      </pc:sldChg>
+    </pc:docChg>
+  </pc:docChgLst>
+  <pc:docChgLst>
+    <pc:chgData name="ㅎㅇ ㅇ" userId="07d8cfaabf68b96f" providerId="LiveId" clId="{41991518-3E8B-4DB2-898B-9CC25729673A}"/>
+    <pc:docChg chg="modSld">
+      <pc:chgData name="ㅎㅇ ㅇ" userId="07d8cfaabf68b96f" providerId="LiveId" clId="{41991518-3E8B-4DB2-898B-9CC25729673A}" dt="2025-12-09T10:06:10.889" v="0" actId="729"/>
+      <pc:docMkLst>
+        <pc:docMk/>
+      </pc:docMkLst>
+      <pc:sldChg chg="mod modShow">
+        <pc:chgData name="ㅎㅇ ㅇ" userId="07d8cfaabf68b96f" providerId="LiveId" clId="{41991518-3E8B-4DB2-898B-9CC25729673A}" dt="2025-12-09T10:06:10.889" v="0" actId="729"/>
+        <pc:sldMkLst>
+          <pc:docMk/>
+          <pc:sldMk cId="2862656377" sldId="261"/>
+        </pc:sldMkLst>
+      </pc:sldChg>
+      <pc:sldChg chg="mod modShow">
+        <pc:chgData name="ㅎㅇ ㅇ" userId="07d8cfaabf68b96f" providerId="LiveId" clId="{41991518-3E8B-4DB2-898B-9CC25729673A}" dt="2025-12-09T10:06:10.889" v="0" actId="729"/>
+        <pc:sldMkLst>
+          <pc:docMk/>
+          <pc:sldMk cId="3830960303" sldId="262"/>
+        </pc:sldMkLst>
+      </pc:sldChg>
+      <pc:sldChg chg="mod modShow">
+        <pc:chgData name="ㅎㅇ ㅇ" userId="07d8cfaabf68b96f" providerId="LiveId" clId="{41991518-3E8B-4DB2-898B-9CC25729673A}" dt="2025-12-09T10:06:10.889" v="0" actId="729"/>
+        <pc:sldMkLst>
+          <pc:docMk/>
+          <pc:sldMk cId="2667498715" sldId="263"/>
+        </pc:sldMkLst>
+      </pc:sldChg>
+    </pc:docChg>
+  </pc:docChgLst>
   <pc:docChgLst>
     <pc:chgData name="이한울" userId="6b68113f-130c-4b5b-be79-d122776f77ec" providerId="ADAL" clId="{44A545ED-71DC-4521-9A3F-1E5E487DB1F8}"/>
     <pc:docChg chg="undo custSel addSld delSld modSld">
@@ -274,409 +604,6 @@
       </pc:sldChg>
     </pc:docChg>
   </pc:docChgLst>
-  <pc:docChgLst>
-    <pc:chgData name="이한울" userId="6b68113f-130c-4b5b-be79-d122776f77ec" providerId="ADAL" clId="{50F36C8F-82A7-4DEA-9B9A-6AD1C64B5DF1}"/>
-    <pc:docChg chg="undo custSel addSld delSld modSld sldOrd">
-      <pc:chgData name="이한울" userId="6b68113f-130c-4b5b-be79-d122776f77ec" providerId="ADAL" clId="{50F36C8F-82A7-4DEA-9B9A-6AD1C64B5DF1}" dt="2025-12-02T07:56:23.961" v="850" actId="47"/>
-      <pc:docMkLst>
-        <pc:docMk/>
-      </pc:docMkLst>
-      <pc:sldChg chg="addSp delSp modSp del mod">
-        <pc:chgData name="이한울" userId="6b68113f-130c-4b5b-be79-d122776f77ec" providerId="ADAL" clId="{50F36C8F-82A7-4DEA-9B9A-6AD1C64B5DF1}" dt="2025-12-02T04:43:28.841" v="454" actId="47"/>
-        <pc:sldMkLst>
-          <pc:docMk/>
-          <pc:sldMk cId="2178345436" sldId="258"/>
-        </pc:sldMkLst>
-        <pc:spChg chg="add del mod">
-          <ac:chgData name="이한울" userId="6b68113f-130c-4b5b-be79-d122776f77ec" providerId="ADAL" clId="{50F36C8F-82A7-4DEA-9B9A-6AD1C64B5DF1}" dt="2025-12-02T04:39:13.198" v="260" actId="21"/>
-          <ac:spMkLst>
-            <pc:docMk/>
-            <pc:sldMk cId="2178345436" sldId="258"/>
-            <ac:spMk id="2" creationId="{02A255CE-0AA6-DFFE-528C-FE3A0EA1592C}"/>
-          </ac:spMkLst>
-        </pc:spChg>
-        <pc:spChg chg="add del mod">
-          <ac:chgData name="이한울" userId="6b68113f-130c-4b5b-be79-d122776f77ec" providerId="ADAL" clId="{50F36C8F-82A7-4DEA-9B9A-6AD1C64B5DF1}" dt="2025-12-02T04:38:02.866" v="145" actId="478"/>
-          <ac:spMkLst>
-            <pc:docMk/>
-            <pc:sldMk cId="2178345436" sldId="258"/>
-            <ac:spMk id="3" creationId="{96049639-7AC7-160C-0FB7-5DD62652C3A1}"/>
-          </ac:spMkLst>
-        </pc:spChg>
-        <pc:spChg chg="add del mod">
-          <ac:chgData name="이한울" userId="6b68113f-130c-4b5b-be79-d122776f77ec" providerId="ADAL" clId="{50F36C8F-82A7-4DEA-9B9A-6AD1C64B5DF1}" dt="2025-12-02T04:39:13.198" v="260" actId="21"/>
-          <ac:spMkLst>
-            <pc:docMk/>
-            <pc:sldMk cId="2178345436" sldId="258"/>
-            <ac:spMk id="4" creationId="{D86C8A39-2FE3-30B7-2F07-594FC89D8E26}"/>
-          </ac:spMkLst>
-        </pc:spChg>
-        <pc:picChg chg="mod">
-          <ac:chgData name="이한울" userId="6b68113f-130c-4b5b-be79-d122776f77ec" providerId="ADAL" clId="{50F36C8F-82A7-4DEA-9B9A-6AD1C64B5DF1}" dt="2025-12-02T04:39:00.139" v="256" actId="1076"/>
-          <ac:picMkLst>
-            <pc:docMk/>
-            <pc:sldMk cId="2178345436" sldId="258"/>
-            <ac:picMk id="5" creationId="{EA23F6BA-60FC-25C4-085B-46805B2C5F93}"/>
-          </ac:picMkLst>
-        </pc:picChg>
-        <pc:cxnChg chg="add del mod">
-          <ac:chgData name="이한울" userId="6b68113f-130c-4b5b-be79-d122776f77ec" providerId="ADAL" clId="{50F36C8F-82A7-4DEA-9B9A-6AD1C64B5DF1}" dt="2025-12-02T04:42:50.503" v="445" actId="21"/>
-          <ac:cxnSpMkLst>
-            <pc:docMk/>
-            <pc:sldMk cId="2178345436" sldId="258"/>
-            <ac:cxnSpMk id="7" creationId="{92FF6637-07CA-D711-BF58-BA72D29B7ECA}"/>
-          </ac:cxnSpMkLst>
-        </pc:cxnChg>
-      </pc:sldChg>
-      <pc:sldChg chg="del">
-        <pc:chgData name="이한울" userId="6b68113f-130c-4b5b-be79-d122776f77ec" providerId="ADAL" clId="{50F36C8F-82A7-4DEA-9B9A-6AD1C64B5DF1}" dt="2025-12-02T07:55:00.916" v="811" actId="47"/>
-        <pc:sldMkLst>
-          <pc:docMk/>
-          <pc:sldMk cId="2572161031" sldId="259"/>
-        </pc:sldMkLst>
-      </pc:sldChg>
-      <pc:sldChg chg="del">
-        <pc:chgData name="이한울" userId="6b68113f-130c-4b5b-be79-d122776f77ec" providerId="ADAL" clId="{50F36C8F-82A7-4DEA-9B9A-6AD1C64B5DF1}" dt="2025-12-02T07:56:23.961" v="850" actId="47"/>
-        <pc:sldMkLst>
-          <pc:docMk/>
-          <pc:sldMk cId="2296428506" sldId="260"/>
-        </pc:sldMkLst>
-      </pc:sldChg>
-      <pc:sldChg chg="modSp mod setBg">
-        <pc:chgData name="이한울" userId="6b68113f-130c-4b5b-be79-d122776f77ec" providerId="ADAL" clId="{50F36C8F-82A7-4DEA-9B9A-6AD1C64B5DF1}" dt="2025-12-02T04:44:35.038" v="539" actId="113"/>
-        <pc:sldMkLst>
-          <pc:docMk/>
-          <pc:sldMk cId="2862656377" sldId="261"/>
-        </pc:sldMkLst>
-        <pc:spChg chg="mod">
-          <ac:chgData name="이한울" userId="6b68113f-130c-4b5b-be79-d122776f77ec" providerId="ADAL" clId="{50F36C8F-82A7-4DEA-9B9A-6AD1C64B5DF1}" dt="2025-12-02T04:44:35.038" v="539" actId="113"/>
-          <ac:spMkLst>
-            <pc:docMk/>
-            <pc:sldMk cId="2862656377" sldId="261"/>
-            <ac:spMk id="6" creationId="{1083FDCF-80DC-3B65-6600-0138E555127C}"/>
-          </ac:spMkLst>
-        </pc:spChg>
-      </pc:sldChg>
-      <pc:sldChg chg="addSp delSp modSp new mod ord setBg">
-        <pc:chgData name="이한울" userId="6b68113f-130c-4b5b-be79-d122776f77ec" providerId="ADAL" clId="{50F36C8F-82A7-4DEA-9B9A-6AD1C64B5DF1}" dt="2025-12-02T04:44:33.312" v="538" actId="113"/>
-        <pc:sldMkLst>
-          <pc:docMk/>
-          <pc:sldMk cId="3830960303" sldId="262"/>
-        </pc:sldMkLst>
-        <pc:spChg chg="del">
-          <ac:chgData name="이한울" userId="6b68113f-130c-4b5b-be79-d122776f77ec" providerId="ADAL" clId="{50F36C8F-82A7-4DEA-9B9A-6AD1C64B5DF1}" dt="2025-12-02T04:34:29.043" v="7" actId="478"/>
-          <ac:spMkLst>
-            <pc:docMk/>
-            <pc:sldMk cId="3830960303" sldId="262"/>
-            <ac:spMk id="2" creationId="{3CF9ED57-697E-548D-8556-7B4E6C03E284}"/>
-          </ac:spMkLst>
-        </pc:spChg>
-        <pc:spChg chg="del">
-          <ac:chgData name="이한울" userId="6b68113f-130c-4b5b-be79-d122776f77ec" providerId="ADAL" clId="{50F36C8F-82A7-4DEA-9B9A-6AD1C64B5DF1}" dt="2025-12-02T04:34:29.043" v="7" actId="478"/>
-          <ac:spMkLst>
-            <pc:docMk/>
-            <pc:sldMk cId="3830960303" sldId="262"/>
-            <ac:spMk id="3" creationId="{BF4B314B-E276-D2BC-A4F9-91CFAD609FAB}"/>
-          </ac:spMkLst>
-        </pc:spChg>
-        <pc:spChg chg="add mod">
-          <ac:chgData name="이한울" userId="6b68113f-130c-4b5b-be79-d122776f77ec" providerId="ADAL" clId="{50F36C8F-82A7-4DEA-9B9A-6AD1C64B5DF1}" dt="2025-12-02T04:34:48.848" v="8"/>
-          <ac:spMkLst>
-            <pc:docMk/>
-            <pc:sldMk cId="3830960303" sldId="262"/>
-            <ac:spMk id="4" creationId="{806778E5-8FD2-0AD1-CD49-77949CC3906A}"/>
-          </ac:spMkLst>
-        </pc:spChg>
-        <pc:spChg chg="add mod">
-          <ac:chgData name="이한울" userId="6b68113f-130c-4b5b-be79-d122776f77ec" providerId="ADAL" clId="{50F36C8F-82A7-4DEA-9B9A-6AD1C64B5DF1}" dt="2025-12-02T04:44:33.312" v="538" actId="113"/>
-          <ac:spMkLst>
-            <pc:docMk/>
-            <pc:sldMk cId="3830960303" sldId="262"/>
-            <ac:spMk id="5" creationId="{6B19CB4C-1CE9-5590-DC95-4E954B66555B}"/>
-          </ac:spMkLst>
-        </pc:spChg>
-        <pc:spChg chg="add mod">
-          <ac:chgData name="이한울" userId="6b68113f-130c-4b5b-be79-d122776f77ec" providerId="ADAL" clId="{50F36C8F-82A7-4DEA-9B9A-6AD1C64B5DF1}" dt="2025-12-02T04:37:04.436" v="137" actId="20577"/>
-          <ac:spMkLst>
-            <pc:docMk/>
-            <pc:sldMk cId="3830960303" sldId="262"/>
-            <ac:spMk id="7" creationId="{5DB079A8-7328-E257-5839-40CD435D35D4}"/>
-          </ac:spMkLst>
-        </pc:spChg>
-        <pc:spChg chg="add mod">
-          <ac:chgData name="이한울" userId="6b68113f-130c-4b5b-be79-d122776f77ec" providerId="ADAL" clId="{50F36C8F-82A7-4DEA-9B9A-6AD1C64B5DF1}" dt="2025-12-02T04:41:46.222" v="438" actId="1076"/>
-          <ac:spMkLst>
-            <pc:docMk/>
-            <pc:sldMk cId="3830960303" sldId="262"/>
-            <ac:spMk id="9" creationId="{02A255CE-0AA6-DFFE-528C-FE3A0EA1592C}"/>
-          </ac:spMkLst>
-        </pc:spChg>
-        <pc:spChg chg="add mod">
-          <ac:chgData name="이한울" userId="6b68113f-130c-4b5b-be79-d122776f77ec" providerId="ADAL" clId="{50F36C8F-82A7-4DEA-9B9A-6AD1C64B5DF1}" dt="2025-12-02T04:41:46.222" v="438" actId="1076"/>
-          <ac:spMkLst>
-            <pc:docMk/>
-            <pc:sldMk cId="3830960303" sldId="262"/>
-            <ac:spMk id="10" creationId="{D86C8A39-2FE3-30B7-2F07-594FC89D8E26}"/>
-          </ac:spMkLst>
-        </pc:spChg>
-        <pc:spChg chg="add mod">
-          <ac:chgData name="이한울" userId="6b68113f-130c-4b5b-be79-d122776f77ec" providerId="ADAL" clId="{50F36C8F-82A7-4DEA-9B9A-6AD1C64B5DF1}" dt="2025-12-02T04:41:46.222" v="438" actId="1076"/>
-          <ac:spMkLst>
-            <pc:docMk/>
-            <pc:sldMk cId="3830960303" sldId="262"/>
-            <ac:spMk id="11" creationId="{FA16E20F-5126-3B85-B21D-AF1DA7E72FCC}"/>
-          </ac:spMkLst>
-        </pc:spChg>
-        <pc:spChg chg="add mod">
-          <ac:chgData name="이한울" userId="6b68113f-130c-4b5b-be79-d122776f77ec" providerId="ADAL" clId="{50F36C8F-82A7-4DEA-9B9A-6AD1C64B5DF1}" dt="2025-12-02T04:41:46.222" v="438" actId="1076"/>
-          <ac:spMkLst>
-            <pc:docMk/>
-            <pc:sldMk cId="3830960303" sldId="262"/>
-            <ac:spMk id="12" creationId="{03F3F774-E35D-03CB-3E68-EBA72BCDB77E}"/>
-          </ac:spMkLst>
-        </pc:spChg>
-        <pc:picChg chg="add del mod">
-          <ac:chgData name="이한울" userId="6b68113f-130c-4b5b-be79-d122776f77ec" providerId="ADAL" clId="{50F36C8F-82A7-4DEA-9B9A-6AD1C64B5DF1}" dt="2025-12-02T04:41:33.678" v="436" actId="478"/>
-          <ac:picMkLst>
-            <pc:docMk/>
-            <pc:sldMk cId="3830960303" sldId="262"/>
-            <ac:picMk id="8" creationId="{9F559771-65D7-AEB4-B918-8D76ACEFF234}"/>
-          </ac:picMkLst>
-        </pc:picChg>
-        <pc:cxnChg chg="add mod">
-          <ac:chgData name="이한울" userId="6b68113f-130c-4b5b-be79-d122776f77ec" providerId="ADAL" clId="{50F36C8F-82A7-4DEA-9B9A-6AD1C64B5DF1}" dt="2025-12-02T04:34:48.848" v="8"/>
-          <ac:cxnSpMkLst>
-            <pc:docMk/>
-            <pc:sldMk cId="3830960303" sldId="262"/>
-            <ac:cxnSpMk id="6" creationId="{D0D54C99-4452-CBC2-021F-707851F5C666}"/>
-          </ac:cxnSpMkLst>
-        </pc:cxnChg>
-        <pc:cxnChg chg="add mod">
-          <ac:chgData name="이한울" userId="6b68113f-130c-4b5b-be79-d122776f77ec" providerId="ADAL" clId="{50F36C8F-82A7-4DEA-9B9A-6AD1C64B5DF1}" dt="2025-12-02T04:43:18.449" v="451" actId="1076"/>
-          <ac:cxnSpMkLst>
-            <pc:docMk/>
-            <pc:sldMk cId="3830960303" sldId="262"/>
-            <ac:cxnSpMk id="13" creationId="{92FF6637-07CA-D711-BF58-BA72D29B7ECA}"/>
-          </ac:cxnSpMkLst>
-        </pc:cxnChg>
-        <pc:cxnChg chg="add mod">
-          <ac:chgData name="이한울" userId="6b68113f-130c-4b5b-be79-d122776f77ec" providerId="ADAL" clId="{50F36C8F-82A7-4DEA-9B9A-6AD1C64B5DF1}" dt="2025-12-02T04:43:21.517" v="452" actId="571"/>
-          <ac:cxnSpMkLst>
-            <pc:docMk/>
-            <pc:sldMk cId="3830960303" sldId="262"/>
-            <ac:cxnSpMk id="15" creationId="{4EE022C5-037F-10BE-4233-0A86696A6582}"/>
-          </ac:cxnSpMkLst>
-        </pc:cxnChg>
-        <pc:cxnChg chg="add mod">
-          <ac:chgData name="이한울" userId="6b68113f-130c-4b5b-be79-d122776f77ec" providerId="ADAL" clId="{50F36C8F-82A7-4DEA-9B9A-6AD1C64B5DF1}" dt="2025-12-02T04:43:24.050" v="453" actId="571"/>
-          <ac:cxnSpMkLst>
-            <pc:docMk/>
-            <pc:sldMk cId="3830960303" sldId="262"/>
-            <ac:cxnSpMk id="16" creationId="{CFE6DC63-461A-F959-93C6-1DD273E0D8DA}"/>
-          </ac:cxnSpMkLst>
-        </pc:cxnChg>
-      </pc:sldChg>
-      <pc:sldChg chg="new del">
-        <pc:chgData name="이한울" userId="6b68113f-130c-4b5b-be79-d122776f77ec" providerId="ADAL" clId="{50F36C8F-82A7-4DEA-9B9A-6AD1C64B5DF1}" dt="2025-12-02T04:38:32.112" v="187" actId="680"/>
-        <pc:sldMkLst>
-          <pc:docMk/>
-          <pc:sldMk cId="982292277" sldId="263"/>
-        </pc:sldMkLst>
-      </pc:sldChg>
-      <pc:sldChg chg="addSp delSp modSp new mod ord setBg">
-        <pc:chgData name="이한울" userId="6b68113f-130c-4b5b-be79-d122776f77ec" providerId="ADAL" clId="{50F36C8F-82A7-4DEA-9B9A-6AD1C64B5DF1}" dt="2025-12-02T07:56:18.175" v="849" actId="1076"/>
-        <pc:sldMkLst>
-          <pc:docMk/>
-          <pc:sldMk cId="2667498715" sldId="263"/>
-        </pc:sldMkLst>
-        <pc:spChg chg="del">
-          <ac:chgData name="이한울" userId="6b68113f-130c-4b5b-be79-d122776f77ec" providerId="ADAL" clId="{50F36C8F-82A7-4DEA-9B9A-6AD1C64B5DF1}" dt="2025-12-02T04:43:34.693" v="458" actId="478"/>
-          <ac:spMkLst>
-            <pc:docMk/>
-            <pc:sldMk cId="2667498715" sldId="263"/>
-            <ac:spMk id="2" creationId="{CBF50228-1D01-9044-A1C5-B6ACA821424C}"/>
-          </ac:spMkLst>
-        </pc:spChg>
-        <pc:spChg chg="del">
-          <ac:chgData name="이한울" userId="6b68113f-130c-4b5b-be79-d122776f77ec" providerId="ADAL" clId="{50F36C8F-82A7-4DEA-9B9A-6AD1C64B5DF1}" dt="2025-12-02T04:43:34.693" v="458" actId="478"/>
-          <ac:spMkLst>
-            <pc:docMk/>
-            <pc:sldMk cId="2667498715" sldId="263"/>
-            <ac:spMk id="3" creationId="{EEBC2B93-6DDF-F0D3-2619-284574FE058A}"/>
-          </ac:spMkLst>
-        </pc:spChg>
-        <pc:spChg chg="add mod">
-          <ac:chgData name="이한울" userId="6b68113f-130c-4b5b-be79-d122776f77ec" providerId="ADAL" clId="{50F36C8F-82A7-4DEA-9B9A-6AD1C64B5DF1}" dt="2025-12-02T04:43:50.254" v="460"/>
-          <ac:spMkLst>
-            <pc:docMk/>
-            <pc:sldMk cId="2667498715" sldId="263"/>
-            <ac:spMk id="4" creationId="{67524A5D-7ED1-C6E0-7B13-7554A876F153}"/>
-          </ac:spMkLst>
-        </pc:spChg>
-        <pc:spChg chg="add mod">
-          <ac:chgData name="이한울" userId="6b68113f-130c-4b5b-be79-d122776f77ec" providerId="ADAL" clId="{50F36C8F-82A7-4DEA-9B9A-6AD1C64B5DF1}" dt="2025-12-02T04:44:31.151" v="537" actId="113"/>
-          <ac:spMkLst>
-            <pc:docMk/>
-            <pc:sldMk cId="2667498715" sldId="263"/>
-            <ac:spMk id="5" creationId="{3CB57F96-DDED-1273-6D7F-0438D3370EF9}"/>
-          </ac:spMkLst>
-        </pc:spChg>
-        <pc:spChg chg="add mod">
-          <ac:chgData name="이한울" userId="6b68113f-130c-4b5b-be79-d122776f77ec" providerId="ADAL" clId="{50F36C8F-82A7-4DEA-9B9A-6AD1C64B5DF1}" dt="2025-12-02T04:45:15.152" v="562" actId="20577"/>
-          <ac:spMkLst>
-            <pc:docMk/>
-            <pc:sldMk cId="2667498715" sldId="263"/>
-            <ac:spMk id="7" creationId="{823B0A7D-9398-56C4-BE8C-14DD5C3E6EBF}"/>
-          </ac:spMkLst>
-        </pc:spChg>
-        <pc:spChg chg="add mod">
-          <ac:chgData name="이한울" userId="6b68113f-130c-4b5b-be79-d122776f77ec" providerId="ADAL" clId="{50F36C8F-82A7-4DEA-9B9A-6AD1C64B5DF1}" dt="2025-12-02T07:54:19.635" v="804" actId="164"/>
-          <ac:spMkLst>
-            <pc:docMk/>
-            <pc:sldMk cId="2667498715" sldId="263"/>
-            <ac:spMk id="9" creationId="{ADA65095-BCEC-2CB2-4CF9-A80AF7538942}"/>
-          </ac:spMkLst>
-        </pc:spChg>
-        <pc:spChg chg="add del mod">
-          <ac:chgData name="이한울" userId="6b68113f-130c-4b5b-be79-d122776f77ec" providerId="ADAL" clId="{50F36C8F-82A7-4DEA-9B9A-6AD1C64B5DF1}" dt="2025-12-02T07:40:42.579" v="618" actId="478"/>
-          <ac:spMkLst>
-            <pc:docMk/>
-            <pc:sldMk cId="2667498715" sldId="263"/>
-            <ac:spMk id="10" creationId="{A5899B71-7410-329F-455B-CA56C9199B28}"/>
-          </ac:spMkLst>
-        </pc:spChg>
-        <pc:spChg chg="add del mod">
-          <ac:chgData name="이한울" userId="6b68113f-130c-4b5b-be79-d122776f77ec" providerId="ADAL" clId="{50F36C8F-82A7-4DEA-9B9A-6AD1C64B5DF1}" dt="2025-12-02T07:40:37.166" v="617" actId="478"/>
-          <ac:spMkLst>
-            <pc:docMk/>
-            <pc:sldMk cId="2667498715" sldId="263"/>
-            <ac:spMk id="11" creationId="{C81000C6-12B9-A882-4008-33069F85B494}"/>
-          </ac:spMkLst>
-        </pc:spChg>
-        <pc:spChg chg="add mod ord">
-          <ac:chgData name="이한울" userId="6b68113f-130c-4b5b-be79-d122776f77ec" providerId="ADAL" clId="{50F36C8F-82A7-4DEA-9B9A-6AD1C64B5DF1}" dt="2025-12-02T07:54:19.635" v="804" actId="164"/>
-          <ac:spMkLst>
-            <pc:docMk/>
-            <pc:sldMk cId="2667498715" sldId="263"/>
-            <ac:spMk id="12" creationId="{75DA3277-C6D3-0823-0634-2C078979D0FA}"/>
-          </ac:spMkLst>
-        </pc:spChg>
-        <pc:spChg chg="add mod">
-          <ac:chgData name="이한울" userId="6b68113f-130c-4b5b-be79-d122776f77ec" providerId="ADAL" clId="{50F36C8F-82A7-4DEA-9B9A-6AD1C64B5DF1}" dt="2025-12-02T07:43:11.218" v="651" actId="571"/>
-          <ac:spMkLst>
-            <pc:docMk/>
-            <pc:sldMk cId="2667498715" sldId="263"/>
-            <ac:spMk id="13" creationId="{97F95630-CFD5-E324-AF4E-1933A40BE008}"/>
-          </ac:spMkLst>
-        </pc:spChg>
-        <pc:spChg chg="add mod">
-          <ac:chgData name="이한울" userId="6b68113f-130c-4b5b-be79-d122776f77ec" providerId="ADAL" clId="{50F36C8F-82A7-4DEA-9B9A-6AD1C64B5DF1}" dt="2025-12-02T07:43:11.218" v="651" actId="571"/>
-          <ac:spMkLst>
-            <pc:docMk/>
-            <pc:sldMk cId="2667498715" sldId="263"/>
-            <ac:spMk id="14" creationId="{B4EC89E0-A07D-BD0C-C2F2-7616B2F5830B}"/>
-          </ac:spMkLst>
-        </pc:spChg>
-        <pc:spChg chg="add mod ord">
-          <ac:chgData name="이한울" userId="6b68113f-130c-4b5b-be79-d122776f77ec" providerId="ADAL" clId="{50F36C8F-82A7-4DEA-9B9A-6AD1C64B5DF1}" dt="2025-12-02T07:54:19.635" v="804" actId="164"/>
-          <ac:spMkLst>
-            <pc:docMk/>
-            <pc:sldMk cId="2667498715" sldId="263"/>
-            <ac:spMk id="15" creationId="{67AC80CC-34DF-64DF-197D-E45D616458B1}"/>
-          </ac:spMkLst>
-        </pc:spChg>
-        <pc:spChg chg="add mod ord">
-          <ac:chgData name="이한울" userId="6b68113f-130c-4b5b-be79-d122776f77ec" providerId="ADAL" clId="{50F36C8F-82A7-4DEA-9B9A-6AD1C64B5DF1}" dt="2025-12-02T07:54:19.635" v="804" actId="164"/>
-          <ac:spMkLst>
-            <pc:docMk/>
-            <pc:sldMk cId="2667498715" sldId="263"/>
-            <ac:spMk id="16" creationId="{F596DAA6-D7E6-0A85-BA3B-13B8F1524183}"/>
-          </ac:spMkLst>
-        </pc:spChg>
-        <pc:spChg chg="add mod ord">
-          <ac:chgData name="이한울" userId="6b68113f-130c-4b5b-be79-d122776f77ec" providerId="ADAL" clId="{50F36C8F-82A7-4DEA-9B9A-6AD1C64B5DF1}" dt="2025-12-02T07:54:19.635" v="804" actId="164"/>
-          <ac:spMkLst>
-            <pc:docMk/>
-            <pc:sldMk cId="2667498715" sldId="263"/>
-            <ac:spMk id="17" creationId="{797D4C91-A662-AEF3-08E8-4380FA9606C2}"/>
-          </ac:spMkLst>
-        </pc:spChg>
-        <pc:spChg chg="add mod ord">
-          <ac:chgData name="이한울" userId="6b68113f-130c-4b5b-be79-d122776f77ec" providerId="ADAL" clId="{50F36C8F-82A7-4DEA-9B9A-6AD1C64B5DF1}" dt="2025-12-02T07:54:19.635" v="804" actId="164"/>
-          <ac:spMkLst>
-            <pc:docMk/>
-            <pc:sldMk cId="2667498715" sldId="263"/>
-            <ac:spMk id="18" creationId="{F1D422AE-584B-485B-8647-F7D5A4E640EA}"/>
-          </ac:spMkLst>
-        </pc:spChg>
-        <pc:spChg chg="add mod ord">
-          <ac:chgData name="이한울" userId="6b68113f-130c-4b5b-be79-d122776f77ec" providerId="ADAL" clId="{50F36C8F-82A7-4DEA-9B9A-6AD1C64B5DF1}" dt="2025-12-02T07:54:19.635" v="804" actId="164"/>
-          <ac:spMkLst>
-            <pc:docMk/>
-            <pc:sldMk cId="2667498715" sldId="263"/>
-            <ac:spMk id="19" creationId="{2E862ED9-A5CD-6A4E-D1D3-2BA346E8BA78}"/>
-          </ac:spMkLst>
-        </pc:spChg>
-        <pc:spChg chg="add mod ord">
-          <ac:chgData name="이한울" userId="6b68113f-130c-4b5b-be79-d122776f77ec" providerId="ADAL" clId="{50F36C8F-82A7-4DEA-9B9A-6AD1C64B5DF1}" dt="2025-12-02T07:54:19.635" v="804" actId="164"/>
-          <ac:spMkLst>
-            <pc:docMk/>
-            <pc:sldMk cId="2667498715" sldId="263"/>
-            <ac:spMk id="20" creationId="{E37AAE45-50C5-5A70-8B50-EC07C7D55BB0}"/>
-          </ac:spMkLst>
-        </pc:spChg>
-        <pc:spChg chg="add mod ord">
-          <ac:chgData name="이한울" userId="6b68113f-130c-4b5b-be79-d122776f77ec" providerId="ADAL" clId="{50F36C8F-82A7-4DEA-9B9A-6AD1C64B5DF1}" dt="2025-12-02T07:54:19.635" v="804" actId="164"/>
-          <ac:spMkLst>
-            <pc:docMk/>
-            <pc:sldMk cId="2667498715" sldId="263"/>
-            <ac:spMk id="21" creationId="{428FD223-A7B0-8F55-D11D-3F7DD23291EB}"/>
-          </ac:spMkLst>
-        </pc:spChg>
-        <pc:spChg chg="add mod">
-          <ac:chgData name="이한울" userId="6b68113f-130c-4b5b-be79-d122776f77ec" providerId="ADAL" clId="{50F36C8F-82A7-4DEA-9B9A-6AD1C64B5DF1}" dt="2025-12-02T07:56:15.272" v="848" actId="1076"/>
-          <ac:spMkLst>
-            <pc:docMk/>
-            <pc:sldMk cId="2667498715" sldId="263"/>
-            <ac:spMk id="22" creationId="{2EA9C152-A687-320D-11A8-F1D7709C688A}"/>
-          </ac:spMkLst>
-        </pc:spChg>
-        <pc:grpChg chg="add mod">
-          <ac:chgData name="이한울" userId="6b68113f-130c-4b5b-be79-d122776f77ec" providerId="ADAL" clId="{50F36C8F-82A7-4DEA-9B9A-6AD1C64B5DF1}" dt="2025-12-02T07:56:18.175" v="849" actId="1076"/>
-          <ac:grpSpMkLst>
-            <pc:docMk/>
-            <pc:sldMk cId="2667498715" sldId="263"/>
-            <ac:grpSpMk id="23" creationId="{2EF0221C-03D0-E9B5-1CCD-9BC02DCC715A}"/>
-          </ac:grpSpMkLst>
-        </pc:grpChg>
-        <pc:picChg chg="add del mod">
-          <ac:chgData name="이한울" userId="6b68113f-130c-4b5b-be79-d122776f77ec" providerId="ADAL" clId="{50F36C8F-82A7-4DEA-9B9A-6AD1C64B5DF1}" dt="2025-12-02T07:55:51.111" v="817" actId="478"/>
-          <ac:picMkLst>
-            <pc:docMk/>
-            <pc:sldMk cId="2667498715" sldId="263"/>
-            <ac:picMk id="8" creationId="{E0066E7F-9699-0711-2F55-07829512F140}"/>
-          </ac:picMkLst>
-        </pc:picChg>
-        <pc:cxnChg chg="add mod">
-          <ac:chgData name="이한울" userId="6b68113f-130c-4b5b-be79-d122776f77ec" providerId="ADAL" clId="{50F36C8F-82A7-4DEA-9B9A-6AD1C64B5DF1}" dt="2025-12-02T04:43:50.254" v="460"/>
-          <ac:cxnSpMkLst>
-            <pc:docMk/>
-            <pc:sldMk cId="2667498715" sldId="263"/>
-            <ac:cxnSpMk id="6" creationId="{9A21BE1E-A7FA-7B7A-913F-9816C5FCF9A0}"/>
-          </ac:cxnSpMkLst>
-        </pc:cxnChg>
-      </pc:sldChg>
-    </pc:docChg>
-  </pc:docChgLst>
-  <pc:docChgLst>
-    <pc:chgData name="이한울" userId="6b68113f-130c-4b5b-be79-d122776f77ec" providerId="ADAL" clId="{41991518-3E8B-4DB2-898B-9CC25729673A}"/>
-    <pc:docChg chg="custSel addSld delSld modSld">
-      <pc:chgData name="이한울" userId="6b68113f-130c-4b5b-be79-d122776f77ec" providerId="ADAL" clId="{41991518-3E8B-4DB2-898B-9CC25729673A}" dt="2025-11-25T10:25:29.683" v="143"/>
-      <pc:docMkLst>
-        <pc:docMk/>
-      </pc:docMkLst>
-    </pc:docChg>
-  </pc:docChgLst>
 </pc:chgInfo>
 </file>
 
@@ -762,7 +689,7 @@
           <a:p>
             <a:fld id="{1961BF58-F202-43B9-A992-BE27F39B23EB}" type="datetimeFigureOut">
               <a:rPr lang="ko-KR" altLang="en-US" smtClean="0"/>
-              <a:t>2025-12-07</a:t>
+              <a:t>2025-12-09</a:t>
             </a:fld>
             <a:endParaRPr lang="ko-KR" altLang="en-US"/>
           </a:p>
@@ -1197,7 +1124,7 @@
           <a:p>
             <a:fld id="{03F95CAA-FE10-41F5-8443-2033884F0244}" type="datetimeFigureOut">
               <a:rPr lang="ko-KR" altLang="en-US" smtClean="0"/>
-              <a:t>2025-12-07</a:t>
+              <a:t>2025-12-09</a:t>
             </a:fld>
             <a:endParaRPr lang="ko-KR" altLang="en-US"/>
           </a:p>
@@ -1434,7 +1361,7 @@
           <a:p>
             <a:fld id="{03F95CAA-FE10-41F5-8443-2033884F0244}" type="datetimeFigureOut">
               <a:rPr lang="ko-KR" altLang="en-US" smtClean="0"/>
-              <a:t>2025-12-07</a:t>
+              <a:t>2025-12-09</a:t>
             </a:fld>
             <a:endParaRPr lang="ko-KR" altLang="en-US"/>
           </a:p>
@@ -1614,7 +1541,7 @@
           <a:p>
             <a:fld id="{03F95CAA-FE10-41F5-8443-2033884F0244}" type="datetimeFigureOut">
               <a:rPr lang="ko-KR" altLang="en-US" smtClean="0"/>
-              <a:t>2025-12-07</a:t>
+              <a:t>2025-12-09</a:t>
             </a:fld>
             <a:endParaRPr lang="ko-KR" altLang="en-US"/>
           </a:p>
@@ -1792,7 +1719,7 @@
           <a:p>
             <a:fld id="{03F95CAA-FE10-41F5-8443-2033884F0244}" type="datetimeFigureOut">
               <a:rPr lang="ko-KR" altLang="en-US" smtClean="0"/>
-              <a:t>2025-12-07</a:t>
+              <a:t>2025-12-09</a:t>
             </a:fld>
             <a:endParaRPr lang="ko-KR" altLang="en-US"/>
           </a:p>
@@ -2062,7 +1989,7 @@
           <a:p>
             <a:fld id="{03F95CAA-FE10-41F5-8443-2033884F0244}" type="datetimeFigureOut">
               <a:rPr lang="ko-KR" altLang="en-US" smtClean="0"/>
-              <a:t>2025-12-07</a:t>
+              <a:t>2025-12-09</a:t>
             </a:fld>
             <a:endParaRPr lang="ko-KR" altLang="en-US"/>
           </a:p>
@@ -2404,7 +2331,7 @@
           <a:p>
             <a:fld id="{03F95CAA-FE10-41F5-8443-2033884F0244}" type="datetimeFigureOut">
               <a:rPr lang="ko-KR" altLang="en-US" smtClean="0"/>
-              <a:t>2025-12-07</a:t>
+              <a:t>2025-12-09</a:t>
             </a:fld>
             <a:endParaRPr lang="ko-KR" altLang="en-US"/>
           </a:p>
@@ -2855,7 +2782,7 @@
           <a:p>
             <a:fld id="{03F95CAA-FE10-41F5-8443-2033884F0244}" type="datetimeFigureOut">
               <a:rPr lang="ko-KR" altLang="en-US" smtClean="0"/>
-              <a:t>2025-12-07</a:t>
+              <a:t>2025-12-09</a:t>
             </a:fld>
             <a:endParaRPr lang="ko-KR" altLang="en-US"/>
           </a:p>
@@ -2973,7 +2900,7 @@
           <a:p>
             <a:fld id="{03F95CAA-FE10-41F5-8443-2033884F0244}" type="datetimeFigureOut">
               <a:rPr lang="ko-KR" altLang="en-US" smtClean="0"/>
-              <a:t>2025-12-07</a:t>
+              <a:t>2025-12-09</a:t>
             </a:fld>
             <a:endParaRPr lang="ko-KR" altLang="en-US"/>
           </a:p>
@@ -3068,7 +2995,7 @@
           <a:p>
             <a:fld id="{03F95CAA-FE10-41F5-8443-2033884F0244}" type="datetimeFigureOut">
               <a:rPr lang="ko-KR" altLang="en-US" smtClean="0"/>
-              <a:t>2025-12-07</a:t>
+              <a:t>2025-12-09</a:t>
             </a:fld>
             <a:endParaRPr lang="ko-KR" altLang="en-US"/>
           </a:p>
@@ -3355,7 +3282,7 @@
           <a:p>
             <a:fld id="{03F95CAA-FE10-41F5-8443-2033884F0244}" type="datetimeFigureOut">
               <a:rPr lang="ko-KR" altLang="en-US" smtClean="0"/>
-              <a:t>2025-12-07</a:t>
+              <a:t>2025-12-09</a:t>
             </a:fld>
             <a:endParaRPr lang="ko-KR" altLang="en-US"/>
           </a:p>
@@ -3677,7 +3604,7 @@
           <a:p>
             <a:fld id="{03F95CAA-FE10-41F5-8443-2033884F0244}" type="datetimeFigureOut">
               <a:rPr lang="ko-KR" altLang="en-US" smtClean="0"/>
-              <a:t>2025-12-07</a:t>
+              <a:t>2025-12-09</a:t>
             </a:fld>
             <a:endParaRPr lang="ko-KR" altLang="en-US"/>
           </a:p>
@@ -3945,7 +3872,7 @@
             <a:fld id="{03F95CAA-FE10-41F5-8443-2033884F0244}" type="datetimeFigureOut">
               <a:rPr lang="ko-KR" altLang="en-US" smtClean="0"/>
               <a:pPr/>
-              <a:t>2025-12-07</a:t>
+              <a:t>2025-12-09</a:t>
             </a:fld>
             <a:endParaRPr lang="ko-KR" altLang="en-US" dirty="0"/>
           </a:p>
@@ -5608,8 +5535,8 @@
         </p:blipFill>
         <p:spPr>
           <a:xfrm>
-            <a:off x="5143501" y="1248248"/>
-            <a:ext cx="4857750" cy="1803696"/>
+            <a:off x="4656101" y="1248247"/>
+            <a:ext cx="5345150" cy="1984669"/>
           </a:xfrm>
           <a:prstGeom prst="rect">
             <a:avLst/>
@@ -5638,8 +5565,8 @@
         </p:blipFill>
         <p:spPr>
           <a:xfrm>
-            <a:off x="5143501" y="3806056"/>
-            <a:ext cx="4857750" cy="2210290"/>
+            <a:off x="4561177" y="3806055"/>
+            <a:ext cx="5440074" cy="2475249"/>
           </a:xfrm>
           <a:prstGeom prst="rect">
             <a:avLst/>
@@ -5780,7 +5707,7 @@
             </a:pPr>
             <a:r>
               <a:rPr lang="ko-KR" altLang="en-US" sz="1200" dirty="0"/>
-              <a:t>불균형 데이터에서 가장 중요한 지표인 </a:t>
+              <a:t>불균형 데이터에서 중요한 지표인 </a:t>
             </a:r>
             <a:r>
               <a:rPr lang="en-US" altLang="ko-KR" sz="1200" dirty="0"/>
@@ -6080,7 +6007,7 @@
 </file>
 
 <file path=ppt/slides/slide2.xml><?xml version="1.0" encoding="utf-8"?>
-<p:sld xmlns:a="http://schemas.openxmlformats.org/drawingml/2006/main" xmlns:r="http://schemas.openxmlformats.org/officeDocument/2006/relationships" xmlns:p="http://schemas.openxmlformats.org/presentationml/2006/main" show="0">
+<p:sld xmlns:a="http://schemas.openxmlformats.org/drawingml/2006/main" xmlns:r="http://schemas.openxmlformats.org/officeDocument/2006/relationships" xmlns:p="http://schemas.openxmlformats.org/presentationml/2006/main">
   <p:cSld>
     <p:bg>
       <p:bgPr>
@@ -7077,7 +7004,7 @@
 </file>
 
 <file path=ppt/slides/slide3.xml><?xml version="1.0" encoding="utf-8"?>
-<p:sld xmlns:a="http://schemas.openxmlformats.org/drawingml/2006/main" xmlns:r="http://schemas.openxmlformats.org/officeDocument/2006/relationships" xmlns:p="http://schemas.openxmlformats.org/presentationml/2006/main" show="0">
+<p:sld xmlns:a="http://schemas.openxmlformats.org/drawingml/2006/main" xmlns:r="http://schemas.openxmlformats.org/officeDocument/2006/relationships" xmlns:p="http://schemas.openxmlformats.org/presentationml/2006/main">
   <p:cSld>
     <p:bg>
       <p:bgPr>
@@ -7993,7 +7920,7 @@
 </file>
 
 <file path=ppt/slides/slide4.xml><?xml version="1.0" encoding="utf-8"?>
-<p:sld xmlns:a="http://schemas.openxmlformats.org/drawingml/2006/main" xmlns:r="http://schemas.openxmlformats.org/officeDocument/2006/relationships" xmlns:p="http://schemas.openxmlformats.org/presentationml/2006/main" show="0">
+<p:sld xmlns:a="http://schemas.openxmlformats.org/drawingml/2006/main" xmlns:r="http://schemas.openxmlformats.org/officeDocument/2006/relationships" xmlns:p="http://schemas.openxmlformats.org/presentationml/2006/main">
   <p:cSld>
     <p:bg>
       <p:bgPr>
@@ -10111,7 +10038,7 @@
         <p:spPr>
           <a:xfrm>
             <a:off x="3824195" y="3248661"/>
-            <a:ext cx="1478225" cy="2492990"/>
+            <a:ext cx="1662635" cy="2862322"/>
           </a:xfrm>
           <a:prstGeom prst="rect">
             <a:avLst/>
@@ -10128,7 +10055,67 @@
               <a:rPr lang="ko-KR" altLang="en-US" sz="1200" dirty="0">
                 <a:latin typeface="Pretendard"/>
               </a:rPr>
+              <a:t>전통적분류</a:t>
+            </a:r>
+            <a:r>
+              <a:rPr lang="en-US" altLang="ko-KR" sz="1200" dirty="0">
+                <a:latin typeface="Pretendard"/>
+              </a:rPr>
+              <a:t>(</a:t>
+            </a:r>
+            <a:r>
+              <a:rPr lang="ko-KR" altLang="en-US" sz="1200" dirty="0">
+                <a:latin typeface="Pretendard"/>
+              </a:rPr>
               <a:t>지도학습</a:t>
+            </a:r>
+            <a:r>
+              <a:rPr lang="en-US" altLang="ko-KR" sz="1200" dirty="0">
+                <a:latin typeface="Pretendard"/>
+              </a:rPr>
+              <a:t>)</a:t>
+            </a:r>
+          </a:p>
+          <a:p>
+            <a:r>
+              <a:rPr lang="en-US" altLang="ko-KR" sz="1200" dirty="0">
+                <a:latin typeface="Pretendard"/>
+              </a:rPr>
+              <a:t> - Logistic</a:t>
+            </a:r>
+            <a:r>
+              <a:rPr lang="ko-KR" altLang="en-US" sz="1200" dirty="0">
+                <a:latin typeface="Pretendard"/>
+              </a:rPr>
+              <a:t> </a:t>
+            </a:r>
+            <a:r>
+              <a:rPr lang="en-US" altLang="ko-KR" sz="1200" dirty="0">
+                <a:latin typeface="Pretendard"/>
+              </a:rPr>
+              <a:t>Regression</a:t>
+            </a:r>
+          </a:p>
+          <a:p>
+            <a:r>
+              <a:rPr lang="en-US" altLang="ko-KR" sz="1200" dirty="0">
+                <a:latin typeface="Pretendard"/>
+              </a:rPr>
+              <a:t> - Random Forest</a:t>
+            </a:r>
+          </a:p>
+          <a:p>
+            <a:r>
+              <a:rPr lang="ko-KR" altLang="en-US" sz="1200" dirty="0">
+                <a:latin typeface="Pretendard"/>
+              </a:rPr>
+              <a:t>전통적 </a:t>
+            </a:r>
+            <a:r>
+              <a:rPr lang="ko-KR" altLang="en-US" sz="1200" dirty="0" err="1">
+                <a:latin typeface="Pretendard"/>
+              </a:rPr>
+              <a:t>이상치탐지</a:t>
             </a:r>
             <a:endParaRPr lang="en-US" altLang="ko-KR" sz="1200" dirty="0">
               <a:latin typeface="Pretendard"/>
@@ -10139,19 +10126,15 @@
               <a:rPr lang="en-US" altLang="ko-KR" sz="1200" dirty="0">
                 <a:latin typeface="Pretendard"/>
               </a:rPr>
-              <a:t> - Logistic</a:t>
-            </a:r>
-            <a:r>
-              <a:rPr lang="ko-KR" altLang="en-US" sz="1200" dirty="0">
-                <a:latin typeface="Pretendard"/>
-              </a:rPr>
-              <a:t> </a:t>
-            </a:r>
+              <a:t> - One-Class SVM</a:t>
+            </a:r>
+          </a:p>
+          <a:p>
             <a:r>
               <a:rPr lang="en-US" altLang="ko-KR" sz="1200" dirty="0">
                 <a:latin typeface="Pretendard"/>
               </a:rPr>
-              <a:t>Regression</a:t>
+              <a:t> - Isolation Forest</a:t>
             </a:r>
           </a:p>
           <a:p>
@@ -10159,7 +10142,7 @@
               <a:rPr lang="en-US" altLang="ko-KR" sz="1200" dirty="0">
                 <a:latin typeface="Pretendard"/>
               </a:rPr>
-              <a:t> - Random Forest</a:t>
+              <a:t> - LOF</a:t>
             </a:r>
           </a:p>
           <a:p>
@@ -10167,23 +10150,15 @@
               <a:rPr lang="en-US" altLang="ko-KR" sz="1200" dirty="0">
                 <a:latin typeface="Pretendard"/>
               </a:rPr>
-              <a:t> - RNN</a:t>
-            </a:r>
-          </a:p>
-          <a:p>
-            <a:r>
-              <a:rPr lang="en-US" altLang="ko-KR" sz="1200" dirty="0">
-                <a:latin typeface="Pretendard"/>
-              </a:rPr>
-              <a:t> - LSTM</a:t>
-            </a:r>
-          </a:p>
-          <a:p>
-            <a:r>
-              <a:rPr lang="ko-KR" altLang="en-US" sz="1200" dirty="0">
-                <a:latin typeface="Pretendard"/>
-              </a:rPr>
-              <a:t>비지도학습</a:t>
+              <a:t> - DBSCAN</a:t>
+            </a:r>
+          </a:p>
+          <a:p>
+            <a:r>
+              <a:rPr lang="ko-KR" altLang="en-US" sz="1200" dirty="0" err="1">
+                <a:latin typeface="Pretendard"/>
+              </a:rPr>
+              <a:t>딥러닝기반</a:t>
             </a:r>
             <a:endParaRPr lang="en-US" altLang="ko-KR" sz="1200" dirty="0">
               <a:latin typeface="Pretendard"/>
@@ -10194,15 +10169,43 @@
               <a:rPr lang="en-US" altLang="ko-KR" sz="1200" dirty="0">
                 <a:latin typeface="Pretendard"/>
               </a:rPr>
-              <a:t> - One-Class SVM</a:t>
-            </a:r>
-          </a:p>
-          <a:p>
+              <a:t> - </a:t>
+            </a:r>
+            <a:r>
+              <a:rPr lang="en-US" altLang="ko-KR" sz="1200" dirty="0" err="1">
+                <a:latin typeface="Pretendard"/>
+              </a:rPr>
+              <a:t>AutoEncoder</a:t>
+            </a:r>
             <a:r>
               <a:rPr lang="en-US" altLang="ko-KR" sz="1200" dirty="0">
                 <a:latin typeface="Pretendard"/>
               </a:rPr>
-              <a:t> - </a:t>
+              <a:t> </a:t>
+            </a:r>
+          </a:p>
+          <a:p>
+            <a:r>
+              <a:rPr lang="en-US" altLang="ko-KR" sz="1200" dirty="0">
+                <a:latin typeface="Pretendard"/>
+              </a:rPr>
+              <a:t> - VAE</a:t>
+            </a:r>
+          </a:p>
+          <a:p>
+            <a:r>
+              <a:rPr lang="en-US" altLang="ko-KR" sz="1200" dirty="0">
+                <a:latin typeface="Pretendard"/>
+              </a:rPr>
+              <a:t> - GAN</a:t>
+            </a:r>
+          </a:p>
+          <a:p>
+            <a:r>
+              <a:rPr lang="en-US" altLang="ko-KR" sz="1200" dirty="0">
+                <a:latin typeface="Pretendard"/>
+              </a:rPr>
+              <a:t> - RNN </a:t>
             </a:r>
             <a:r>
               <a:rPr lang="en-US" altLang="ko-KR" sz="1200" dirty="0" err="1">
@@ -10219,40 +10222,22 @@
               <a:rPr lang="en-US" altLang="ko-KR" sz="1200" dirty="0">
                 <a:latin typeface="Pretendard"/>
               </a:rPr>
-              <a:t> - Isolation Forest</a:t>
-            </a:r>
-          </a:p>
-          <a:p>
-            <a:r>
-              <a:rPr lang="en-US" altLang="ko-KR" sz="1200" dirty="0">
-                <a:latin typeface="Pretendard"/>
-              </a:rPr>
-              <a:t> - LOF</a:t>
-            </a:r>
-          </a:p>
-          <a:p>
-            <a:r>
-              <a:rPr lang="en-US" altLang="ko-KR" sz="1200" dirty="0">
-                <a:latin typeface="Pretendard"/>
-              </a:rPr>
-              <a:t> - DBSCAN</a:t>
-            </a:r>
-          </a:p>
-          <a:p>
-            <a:r>
-              <a:rPr lang="en-US" altLang="ko-KR" sz="1200" dirty="0">
-                <a:latin typeface="Pretendard"/>
-              </a:rPr>
-              <a:t> - VAE</a:t>
-            </a:r>
-          </a:p>
-          <a:p>
-            <a:r>
-              <a:rPr lang="en-US" altLang="ko-KR" sz="1200" dirty="0">
-                <a:latin typeface="Pretendard"/>
-              </a:rPr>
-              <a:t> - GAN</a:t>
-            </a:r>
+              <a:t> - LSTM </a:t>
+            </a:r>
+            <a:r>
+              <a:rPr lang="en-US" altLang="ko-KR" sz="1200" dirty="0" err="1">
+                <a:latin typeface="Pretendard"/>
+              </a:rPr>
+              <a:t>AutoEncoder</a:t>
+            </a:r>
+            <a:endParaRPr lang="en-US" altLang="ko-KR" sz="1200" dirty="0">
+              <a:latin typeface="Pretendard"/>
+            </a:endParaRPr>
+          </a:p>
+          <a:p>
+            <a:endParaRPr lang="en-US" altLang="ko-KR" sz="1200" dirty="0">
+              <a:latin typeface="Pretendard"/>
+            </a:endParaRPr>
           </a:p>
         </p:txBody>
       </p:sp>
